--- a/문서/화면 설계서 정의/수정본헤더로그인시.pptx
+++ b/문서/화면 설계서 정의/수정본헤더로그인시.pptx
@@ -3552,152 +3552,6 @@
       </p:sp>
       <p:sp>
         <p:nvSpPr>
-          <p:cNvPr id="27" name="직사각형 26">
-            <a:extLst>
-              <a:ext uri="{FF2B5EF4-FFF2-40B4-BE49-F238E27FC236}">
-                <a16:creationId xmlns:a16="http://schemas.microsoft.com/office/drawing/2014/main" id="{821581FD-5F16-C91D-FCAA-ED8DBB2CBD99}"/>
-              </a:ext>
-            </a:extLst>
-          </p:cNvPr>
-          <p:cNvSpPr/>
-          <p:nvPr/>
-        </p:nvSpPr>
-        <p:spPr>
-          <a:xfrm>
-            <a:off x="444390" y="2275515"/>
-            <a:ext cx="4627748" cy="538413"/>
-          </a:xfrm>
-          <a:prstGeom prst="rect">
-            <a:avLst/>
-          </a:prstGeom>
-          <a:solidFill>
-            <a:schemeClr val="accent4"/>
-          </a:solidFill>
-          <a:ln>
-            <a:solidFill>
-              <a:schemeClr val="tx1"/>
-            </a:solidFill>
-          </a:ln>
-        </p:spPr>
-        <p:style>
-          <a:lnRef idx="0">
-            <a:scrgbClr r="0" g="0" b="0"/>
-          </a:lnRef>
-          <a:fillRef idx="0">
-            <a:scrgbClr r="0" g="0" b="0"/>
-          </a:fillRef>
-          <a:effectRef idx="0">
-            <a:scrgbClr r="0" g="0" b="0"/>
-          </a:effectRef>
-          <a:fontRef idx="minor">
-            <a:schemeClr val="lt1"/>
-          </a:fontRef>
-        </p:style>
-        <p:txBody>
-          <a:bodyPr rtlCol="0" anchor="ctr"/>
-          <a:lstStyle/>
-          <a:p>
-            <a:pPr algn="ctr"/>
-            <a:r>
-              <a:rPr lang="en-US" altLang="ko-KR"/>
-              <a:t>   </a:t>
-            </a:r>
-            <a:endParaRPr lang="ko-KR" altLang="en-US"/>
-          </a:p>
-        </p:txBody>
-      </p:sp>
-      <p:sp>
-        <p:nvSpPr>
-          <p:cNvPr id="31" name="직사각형 30">
-            <a:extLst>
-              <a:ext uri="{FF2B5EF4-FFF2-40B4-BE49-F238E27FC236}">
-                <a16:creationId xmlns:a16="http://schemas.microsoft.com/office/drawing/2014/main" id="{D5B38C2A-80CC-8A85-D85F-B1966B03F064}"/>
-              </a:ext>
-            </a:extLst>
-          </p:cNvPr>
-          <p:cNvSpPr/>
-          <p:nvPr/>
-        </p:nvSpPr>
-        <p:spPr>
-          <a:xfrm>
-            <a:off x="4514399" y="2307972"/>
-            <a:ext cx="460724" cy="383820"/>
-          </a:xfrm>
-          <a:prstGeom prst="rect">
-            <a:avLst/>
-          </a:prstGeom>
-          <a:solidFill>
-            <a:schemeClr val="accent4"/>
-          </a:solidFill>
-          <a:ln>
-            <a:noFill/>
-          </a:ln>
-        </p:spPr>
-        <p:style>
-          <a:lnRef idx="0">
-            <a:scrgbClr r="0" g="0" b="0"/>
-          </a:lnRef>
-          <a:fillRef idx="0">
-            <a:scrgbClr r="0" g="0" b="0"/>
-          </a:fillRef>
-          <a:effectRef idx="0">
-            <a:scrgbClr r="0" g="0" b="0"/>
-          </a:effectRef>
-          <a:fontRef idx="minor">
-            <a:schemeClr val="lt1"/>
-          </a:fontRef>
-        </p:style>
-        <p:txBody>
-          <a:bodyPr rtlCol="0" anchor="ctr"/>
-          <a:lstStyle/>
-          <a:p>
-            <a:pPr algn="ctr"/>
-            <a:r>
-              <a:rPr lang="en-US" altLang="ko-KR"/>
-              <a:t>  </a:t>
-            </a:r>
-            <a:endParaRPr lang="ko-KR" altLang="en-US"/>
-          </a:p>
-        </p:txBody>
-      </p:sp>
-      <p:pic>
-        <p:nvPicPr>
-          <p:cNvPr id="32" name="그래픽 31" descr="닫기">
-            <a:extLst>
-              <a:ext uri="{FF2B5EF4-FFF2-40B4-BE49-F238E27FC236}">
-                <a16:creationId xmlns:a16="http://schemas.microsoft.com/office/drawing/2014/main" id="{A8DC0B9C-A0E5-95B1-B49C-C673043A815E}"/>
-              </a:ext>
-            </a:extLst>
-          </p:cNvPr>
-          <p:cNvPicPr>
-            <a:picLocks noChangeAspect="1"/>
-          </p:cNvPicPr>
-          <p:nvPr/>
-        </p:nvPicPr>
-        <p:blipFill>
-          <a:blip r:embed="rId2">
-            <a:extLst>
-              <a:ext uri="{96DAC541-7B7A-43D3-8B79-37D633B846F1}">
-                <asvg:svgBlip xmlns:asvg="http://schemas.microsoft.com/office/drawing/2016/SVG/main" r:embed="rId3"/>
-              </a:ext>
-            </a:extLst>
-          </a:blip>
-          <a:stretch>
-            <a:fillRect/>
-          </a:stretch>
-        </p:blipFill>
-        <p:spPr>
-          <a:xfrm>
-            <a:off x="4596944" y="2307973"/>
-            <a:ext cx="378178" cy="383820"/>
-          </a:xfrm>
-          <a:prstGeom prst="rect">
-            <a:avLst/>
-          </a:prstGeom>
-        </p:spPr>
-      </p:pic>
-      <p:sp>
-        <p:nvSpPr>
           <p:cNvPr id="37" name="직사각형 36">
             <a:extLst>
               <a:ext uri="{FF2B5EF4-FFF2-40B4-BE49-F238E27FC236}">

--- a/문서/화면 설계서 정의/수정본헤더로그인시.pptx
+++ b/문서/화면 설계서 정의/수정본헤더로그인시.pptx
@@ -3492,7 +3492,7 @@
           <a:p>
             <a:pPr algn="ctr"/>
             <a:r>
-              <a:rPr lang="ko-KR" altLang="en-US" sz="1200"/>
+              <a:rPr lang="ko-KR" altLang="en-US" sz="1200" dirty="0"/>
               <a:t>일상</a:t>
             </a:r>
           </a:p>
@@ -3596,61 +3596,6 @@
           <a:p>
             <a:pPr algn="ctr"/>
             <a:endParaRPr lang="ko-KR" altLang="en-US"/>
-          </a:p>
-        </p:txBody>
-      </p:sp>
-      <p:sp>
-        <p:nvSpPr>
-          <p:cNvPr id="38" name="직사각형 37">
-            <a:extLst>
-              <a:ext uri="{FF2B5EF4-FFF2-40B4-BE49-F238E27FC236}">
-                <a16:creationId xmlns:a16="http://schemas.microsoft.com/office/drawing/2014/main" id="{64BE0E10-82ED-4C5D-ABBB-047D4878EE81}"/>
-              </a:ext>
-            </a:extLst>
-          </p:cNvPr>
-          <p:cNvSpPr/>
-          <p:nvPr/>
-        </p:nvSpPr>
-        <p:spPr>
-          <a:xfrm>
-            <a:off x="445106" y="2747561"/>
-            <a:ext cx="4627032" cy="417684"/>
-          </a:xfrm>
-          <a:prstGeom prst="rect">
-            <a:avLst/>
-          </a:prstGeom>
-          <a:ln w="12700">
-            <a:solidFill>
-              <a:schemeClr val="tx1"/>
-            </a:solidFill>
-          </a:ln>
-        </p:spPr>
-        <p:style>
-          <a:lnRef idx="3">
-            <a:schemeClr val="lt1"/>
-          </a:lnRef>
-          <a:fillRef idx="1">
-            <a:schemeClr val="accent3"/>
-          </a:fillRef>
-          <a:effectRef idx="1">
-            <a:schemeClr val="accent3"/>
-          </a:effectRef>
-          <a:fontRef idx="minor">
-            <a:schemeClr val="lt1"/>
-          </a:fontRef>
-        </p:style>
-        <p:txBody>
-          <a:bodyPr rtlCol="0" anchor="ctr"/>
-          <a:lstStyle/>
-          <a:p>
-            <a:r>
-              <a:rPr lang="ko-KR" altLang="en-US">
-                <a:solidFill>
-                  <a:schemeClr val="tx1"/>
-                </a:solidFill>
-              </a:rPr>
-              <a:t>게시판</a:t>
-            </a:r>
           </a:p>
         </p:txBody>
       </p:sp>
@@ -4642,12 +4587,809 @@
           <a:p>
             <a:pPr algn="ctr"/>
             <a:r>
+              <a:rPr lang="ko-KR" altLang="en-US" sz="1200" dirty="0"/>
+              <a:t>마이페이지</a:t>
+            </a:r>
+          </a:p>
+        </p:txBody>
+      </p:sp>
+      <p:sp>
+        <p:nvSpPr>
+          <p:cNvPr id="2" name="직사각형 1">
+            <a:extLst>
+              <a:ext uri="{FF2B5EF4-FFF2-40B4-BE49-F238E27FC236}">
+                <a16:creationId xmlns:a16="http://schemas.microsoft.com/office/drawing/2014/main" id="{74E0224A-3565-E36C-E4A1-5E93FD09E61E}"/>
+              </a:ext>
+            </a:extLst>
+          </p:cNvPr>
+          <p:cNvSpPr/>
+          <p:nvPr/>
+        </p:nvSpPr>
+        <p:spPr>
+          <a:xfrm>
+            <a:off x="665796" y="2262359"/>
+            <a:ext cx="6018728" cy="502356"/>
+          </a:xfrm>
+          <a:prstGeom prst="rect">
+            <a:avLst/>
+          </a:prstGeom>
+        </p:spPr>
+        <p:style>
+          <a:lnRef idx="2">
+            <a:schemeClr val="accent1">
+              <a:shade val="15000"/>
+            </a:schemeClr>
+          </a:lnRef>
+          <a:fillRef idx="1">
+            <a:schemeClr val="accent1"/>
+          </a:fillRef>
+          <a:effectRef idx="0">
+            <a:schemeClr val="accent1"/>
+          </a:effectRef>
+          <a:fontRef idx="minor">
+            <a:schemeClr val="lt1"/>
+          </a:fontRef>
+        </p:style>
+        <p:txBody>
+          <a:bodyPr rtlCol="0" anchor="ctr"/>
+          <a:lstStyle/>
+          <a:p>
+            <a:pPr algn="ctr"/>
+            <a:r>
+              <a:rPr lang="en-US" altLang="ko-KR"/>
+              <a:t>   </a:t>
+            </a:r>
+            <a:endParaRPr lang="ko-KR" altLang="en-US"/>
+          </a:p>
+        </p:txBody>
+      </p:sp>
+      <p:sp>
+        <p:nvSpPr>
+          <p:cNvPr id="3" name="직사각형 2">
+            <a:extLst>
+              <a:ext uri="{FF2B5EF4-FFF2-40B4-BE49-F238E27FC236}">
+                <a16:creationId xmlns:a16="http://schemas.microsoft.com/office/drawing/2014/main" id="{960AE51B-3A8B-5AD7-BFCC-4FE7E43E8AA4}"/>
+              </a:ext>
+            </a:extLst>
+          </p:cNvPr>
+          <p:cNvSpPr/>
+          <p:nvPr/>
+        </p:nvSpPr>
+        <p:spPr>
+          <a:xfrm>
+            <a:off x="444390" y="2262359"/>
+            <a:ext cx="488446" cy="502356"/>
+          </a:xfrm>
+          <a:prstGeom prst="rect">
+            <a:avLst/>
+          </a:prstGeom>
+        </p:spPr>
+        <p:style>
+          <a:lnRef idx="2">
+            <a:schemeClr val="accent1">
+              <a:shade val="15000"/>
+            </a:schemeClr>
+          </a:lnRef>
+          <a:fillRef idx="1">
+            <a:schemeClr val="accent1"/>
+          </a:fillRef>
+          <a:effectRef idx="0">
+            <a:schemeClr val="accent1"/>
+          </a:effectRef>
+          <a:fontRef idx="minor">
+            <a:schemeClr val="lt1"/>
+          </a:fontRef>
+        </p:style>
+        <p:txBody>
+          <a:bodyPr rtlCol="0" anchor="ctr"/>
+          <a:lstStyle/>
+          <a:p>
+            <a:pPr algn="ctr"/>
+            <a:endParaRPr lang="ko-KR" altLang="en-US"/>
+          </a:p>
+        </p:txBody>
+      </p:sp>
+      <p:cxnSp>
+        <p:nvCxnSpPr>
+          <p:cNvPr id="4" name="직선 연결선 3">
+            <a:extLst>
+              <a:ext uri="{FF2B5EF4-FFF2-40B4-BE49-F238E27FC236}">
+                <a16:creationId xmlns:a16="http://schemas.microsoft.com/office/drawing/2014/main" id="{0BBA75C2-9FB0-3694-5D6A-B42F06956635}"/>
+              </a:ext>
+            </a:extLst>
+          </p:cNvPr>
+          <p:cNvCxnSpPr>
+            <a:cxnSpLocks/>
+          </p:cNvCxnSpPr>
+          <p:nvPr/>
+        </p:nvCxnSpPr>
+        <p:spPr>
+          <a:xfrm>
+            <a:off x="540773" y="2403470"/>
+            <a:ext cx="287640" cy="0"/>
+          </a:xfrm>
+          <a:prstGeom prst="line">
+            <a:avLst/>
+          </a:prstGeom>
+          <a:ln>
+            <a:solidFill>
+              <a:schemeClr val="bg1"/>
+            </a:solidFill>
+          </a:ln>
+        </p:spPr>
+        <p:style>
+          <a:lnRef idx="3">
+            <a:schemeClr val="accent2"/>
+          </a:lnRef>
+          <a:fillRef idx="0">
+            <a:schemeClr val="accent2"/>
+          </a:fillRef>
+          <a:effectRef idx="2">
+            <a:schemeClr val="accent2"/>
+          </a:effectRef>
+          <a:fontRef idx="minor">
+            <a:schemeClr val="tx1"/>
+          </a:fontRef>
+        </p:style>
+      </p:cxnSp>
+      <p:cxnSp>
+        <p:nvCxnSpPr>
+          <p:cNvPr id="5" name="직선 연결선 4">
+            <a:extLst>
+              <a:ext uri="{FF2B5EF4-FFF2-40B4-BE49-F238E27FC236}">
+                <a16:creationId xmlns:a16="http://schemas.microsoft.com/office/drawing/2014/main" id="{F449535E-B341-3013-7FAB-1283707DB3D4}"/>
+              </a:ext>
+            </a:extLst>
+          </p:cNvPr>
+          <p:cNvCxnSpPr>
+            <a:cxnSpLocks/>
+          </p:cNvCxnSpPr>
+          <p:nvPr/>
+        </p:nvCxnSpPr>
+        <p:spPr>
+          <a:xfrm>
+            <a:off x="540773" y="2507893"/>
+            <a:ext cx="287640" cy="0"/>
+          </a:xfrm>
+          <a:prstGeom prst="line">
+            <a:avLst/>
+          </a:prstGeom>
+          <a:ln>
+            <a:solidFill>
+              <a:schemeClr val="bg1"/>
+            </a:solidFill>
+          </a:ln>
+        </p:spPr>
+        <p:style>
+          <a:lnRef idx="3">
+            <a:schemeClr val="accent2"/>
+          </a:lnRef>
+          <a:fillRef idx="0">
+            <a:schemeClr val="accent2"/>
+          </a:fillRef>
+          <a:effectRef idx="2">
+            <a:schemeClr val="accent2"/>
+          </a:effectRef>
+          <a:fontRef idx="minor">
+            <a:schemeClr val="tx1"/>
+          </a:fontRef>
+        </p:style>
+      </p:cxnSp>
+      <p:cxnSp>
+        <p:nvCxnSpPr>
+          <p:cNvPr id="6" name="직선 연결선 5">
+            <a:extLst>
+              <a:ext uri="{FF2B5EF4-FFF2-40B4-BE49-F238E27FC236}">
+                <a16:creationId xmlns:a16="http://schemas.microsoft.com/office/drawing/2014/main" id="{122AC34B-ECC3-AF92-37A9-6BE2CE5A1D5F}"/>
+              </a:ext>
+            </a:extLst>
+          </p:cNvPr>
+          <p:cNvCxnSpPr>
+            <a:cxnSpLocks/>
+          </p:cNvCxnSpPr>
+          <p:nvPr/>
+        </p:nvCxnSpPr>
+        <p:spPr>
+          <a:xfrm>
+            <a:off x="540773" y="2617959"/>
+            <a:ext cx="287640" cy="0"/>
+          </a:xfrm>
+          <a:prstGeom prst="line">
+            <a:avLst/>
+          </a:prstGeom>
+          <a:ln>
+            <a:solidFill>
+              <a:schemeClr val="bg1"/>
+            </a:solidFill>
+          </a:ln>
+        </p:spPr>
+        <p:style>
+          <a:lnRef idx="3">
+            <a:schemeClr val="accent2"/>
+          </a:lnRef>
+          <a:fillRef idx="0">
+            <a:schemeClr val="accent2"/>
+          </a:fillRef>
+          <a:effectRef idx="2">
+            <a:schemeClr val="accent2"/>
+          </a:effectRef>
+          <a:fontRef idx="minor">
+            <a:schemeClr val="tx1"/>
+          </a:fontRef>
+        </p:style>
+      </p:cxnSp>
+      <p:sp>
+        <p:nvSpPr>
+          <p:cNvPr id="7" name="직사각형 6">
+            <a:extLst>
+              <a:ext uri="{FF2B5EF4-FFF2-40B4-BE49-F238E27FC236}">
+                <a16:creationId xmlns:a16="http://schemas.microsoft.com/office/drawing/2014/main" id="{DCD03B10-7B42-BB84-3681-8181D2DDB116}"/>
+              </a:ext>
+            </a:extLst>
+          </p:cNvPr>
+          <p:cNvSpPr/>
+          <p:nvPr/>
+        </p:nvSpPr>
+        <p:spPr>
+          <a:xfrm>
+            <a:off x="1001024" y="2417579"/>
+            <a:ext cx="546786" cy="152402"/>
+          </a:xfrm>
+          <a:prstGeom prst="rect">
+            <a:avLst/>
+          </a:prstGeom>
+          <a:ln>
+            <a:noFill/>
+          </a:ln>
+        </p:spPr>
+        <p:style>
+          <a:lnRef idx="2">
+            <a:schemeClr val="accent1">
+              <a:shade val="15000"/>
+            </a:schemeClr>
+          </a:lnRef>
+          <a:fillRef idx="1">
+            <a:schemeClr val="accent1"/>
+          </a:fillRef>
+          <a:effectRef idx="0">
+            <a:schemeClr val="accent1"/>
+          </a:effectRef>
+          <a:fontRef idx="minor">
+            <a:schemeClr val="lt1"/>
+          </a:fontRef>
+        </p:style>
+        <p:txBody>
+          <a:bodyPr rtlCol="0" anchor="ctr"/>
+          <a:lstStyle/>
+          <a:p>
+            <a:pPr algn="ctr"/>
+            <a:r>
+              <a:rPr lang="en-US" altLang="ko-KR" sz="1200" dirty="0"/>
+              <a:t>HYJW</a:t>
+            </a:r>
+            <a:endParaRPr lang="ko-KR" altLang="en-US" sz="1200" dirty="0"/>
+          </a:p>
+        </p:txBody>
+      </p:sp>
+      <p:sp>
+        <p:nvSpPr>
+          <p:cNvPr id="8" name="직사각형 7">
+            <a:extLst>
+              <a:ext uri="{FF2B5EF4-FFF2-40B4-BE49-F238E27FC236}">
+                <a16:creationId xmlns:a16="http://schemas.microsoft.com/office/drawing/2014/main" id="{33F32418-BFC7-F4F9-D532-131E53B664C2}"/>
+              </a:ext>
+            </a:extLst>
+          </p:cNvPr>
+          <p:cNvSpPr/>
+          <p:nvPr/>
+        </p:nvSpPr>
+        <p:spPr>
+          <a:xfrm>
+            <a:off x="5807678" y="2366784"/>
+            <a:ext cx="804881" cy="265288"/>
+          </a:xfrm>
+          <a:prstGeom prst="rect">
+            <a:avLst/>
+          </a:prstGeom>
+          <a:ln>
+            <a:noFill/>
+          </a:ln>
+        </p:spPr>
+        <p:style>
+          <a:lnRef idx="2">
+            <a:schemeClr val="accent1">
+              <a:shade val="15000"/>
+            </a:schemeClr>
+          </a:lnRef>
+          <a:fillRef idx="1">
+            <a:schemeClr val="accent1"/>
+          </a:fillRef>
+          <a:effectRef idx="0">
+            <a:schemeClr val="accent1"/>
+          </a:effectRef>
+          <a:fontRef idx="minor">
+            <a:schemeClr val="lt1"/>
+          </a:fontRef>
+        </p:style>
+        <p:txBody>
+          <a:bodyPr rtlCol="0" anchor="ctr"/>
+          <a:lstStyle/>
+          <a:p>
+            <a:pPr algn="ctr"/>
+            <a:r>
               <a:rPr lang="ko-KR" altLang="en-US" sz="1200"/>
+              <a:t>로그아웃</a:t>
+            </a:r>
+          </a:p>
+        </p:txBody>
+      </p:sp>
+      <p:sp>
+        <p:nvSpPr>
+          <p:cNvPr id="9" name="직사각형 8">
+            <a:extLst>
+              <a:ext uri="{FF2B5EF4-FFF2-40B4-BE49-F238E27FC236}">
+                <a16:creationId xmlns:a16="http://schemas.microsoft.com/office/drawing/2014/main" id="{BDEF0E25-582B-3E7F-9924-191498229D4A}"/>
+              </a:ext>
+            </a:extLst>
+          </p:cNvPr>
+          <p:cNvSpPr/>
+          <p:nvPr/>
+        </p:nvSpPr>
+        <p:spPr>
+          <a:xfrm>
+            <a:off x="2853402" y="2397824"/>
+            <a:ext cx="488446" cy="180623"/>
+          </a:xfrm>
+          <a:prstGeom prst="rect">
+            <a:avLst/>
+          </a:prstGeom>
+          <a:ln>
+            <a:noFill/>
+          </a:ln>
+        </p:spPr>
+        <p:style>
+          <a:lnRef idx="2">
+            <a:schemeClr val="accent1">
+              <a:shade val="15000"/>
+            </a:schemeClr>
+          </a:lnRef>
+          <a:fillRef idx="1">
+            <a:schemeClr val="accent1"/>
+          </a:fillRef>
+          <a:effectRef idx="0">
+            <a:schemeClr val="accent1"/>
+          </a:effectRef>
+          <a:fontRef idx="minor">
+            <a:schemeClr val="lt1"/>
+          </a:fontRef>
+        </p:style>
+        <p:txBody>
+          <a:bodyPr rtlCol="0" anchor="ctr"/>
+          <a:lstStyle/>
+          <a:p>
+            <a:pPr algn="ctr"/>
+            <a:r>
+              <a:rPr lang="ko-KR" altLang="en-US" sz="1200"/>
+              <a:t>유머</a:t>
+            </a:r>
+          </a:p>
+        </p:txBody>
+      </p:sp>
+      <p:sp>
+        <p:nvSpPr>
+          <p:cNvPr id="10" name="직사각형 9">
+            <a:extLst>
+              <a:ext uri="{FF2B5EF4-FFF2-40B4-BE49-F238E27FC236}">
+                <a16:creationId xmlns:a16="http://schemas.microsoft.com/office/drawing/2014/main" id="{BD1CF299-7C61-9996-C5BA-4162FC659358}"/>
+              </a:ext>
+            </a:extLst>
+          </p:cNvPr>
+          <p:cNvSpPr/>
+          <p:nvPr/>
+        </p:nvSpPr>
+        <p:spPr>
+          <a:xfrm>
+            <a:off x="2264944" y="2406293"/>
+            <a:ext cx="504722" cy="180624"/>
+          </a:xfrm>
+          <a:prstGeom prst="rect">
+            <a:avLst/>
+          </a:prstGeom>
+          <a:ln>
+            <a:noFill/>
+          </a:ln>
+        </p:spPr>
+        <p:style>
+          <a:lnRef idx="2">
+            <a:schemeClr val="accent1">
+              <a:shade val="15000"/>
+            </a:schemeClr>
+          </a:lnRef>
+          <a:fillRef idx="1">
+            <a:schemeClr val="accent1"/>
+          </a:fillRef>
+          <a:effectRef idx="0">
+            <a:schemeClr val="accent1"/>
+          </a:effectRef>
+          <a:fontRef idx="minor">
+            <a:schemeClr val="lt1"/>
+          </a:fontRef>
+        </p:style>
+        <p:txBody>
+          <a:bodyPr rtlCol="0" anchor="ctr"/>
+          <a:lstStyle/>
+          <a:p>
+            <a:pPr algn="ctr"/>
+            <a:r>
+              <a:rPr lang="ko-KR" altLang="en-US" sz="1200"/>
+              <a:t>맛집</a:t>
+            </a:r>
+          </a:p>
+        </p:txBody>
+      </p:sp>
+      <p:sp>
+        <p:nvSpPr>
+          <p:cNvPr id="11" name="직사각형 10">
+            <a:extLst>
+              <a:ext uri="{FF2B5EF4-FFF2-40B4-BE49-F238E27FC236}">
+                <a16:creationId xmlns:a16="http://schemas.microsoft.com/office/drawing/2014/main" id="{39FEA63F-F207-927E-27DA-96E34FE2DC72}"/>
+              </a:ext>
+            </a:extLst>
+          </p:cNvPr>
+          <p:cNvSpPr/>
+          <p:nvPr/>
+        </p:nvSpPr>
+        <p:spPr>
+          <a:xfrm>
+            <a:off x="3425584" y="2426045"/>
+            <a:ext cx="488446" cy="152402"/>
+          </a:xfrm>
+          <a:prstGeom prst="rect">
+            <a:avLst/>
+          </a:prstGeom>
+          <a:ln>
+            <a:noFill/>
+          </a:ln>
+        </p:spPr>
+        <p:style>
+          <a:lnRef idx="2">
+            <a:schemeClr val="accent1">
+              <a:shade val="15000"/>
+            </a:schemeClr>
+          </a:lnRef>
+          <a:fillRef idx="1">
+            <a:schemeClr val="accent1"/>
+          </a:fillRef>
+          <a:effectRef idx="0">
+            <a:schemeClr val="accent1"/>
+          </a:effectRef>
+          <a:fontRef idx="minor">
+            <a:schemeClr val="lt1"/>
+          </a:fontRef>
+        </p:style>
+        <p:txBody>
+          <a:bodyPr rtlCol="0" anchor="ctr"/>
+          <a:lstStyle/>
+          <a:p>
+            <a:pPr algn="ctr"/>
+            <a:r>
+              <a:rPr lang="ko-KR" altLang="en-US" sz="1200"/>
+              <a:t>일상</a:t>
+            </a:r>
+          </a:p>
+        </p:txBody>
+      </p:sp>
+      <p:sp>
+        <p:nvSpPr>
+          <p:cNvPr id="12" name="직사각형 11">
+            <a:extLst>
+              <a:ext uri="{FF2B5EF4-FFF2-40B4-BE49-F238E27FC236}">
+                <a16:creationId xmlns:a16="http://schemas.microsoft.com/office/drawing/2014/main" id="{362E1964-4E72-8855-B5E7-F01738EBC31C}"/>
+              </a:ext>
+            </a:extLst>
+          </p:cNvPr>
+          <p:cNvSpPr/>
+          <p:nvPr/>
+        </p:nvSpPr>
+        <p:spPr>
+          <a:xfrm>
+            <a:off x="1634422" y="2417578"/>
+            <a:ext cx="546786" cy="174980"/>
+          </a:xfrm>
+          <a:prstGeom prst="rect">
+            <a:avLst/>
+          </a:prstGeom>
+          <a:ln>
+            <a:noFill/>
+          </a:ln>
+        </p:spPr>
+        <p:style>
+          <a:lnRef idx="2">
+            <a:schemeClr val="accent1">
+              <a:shade val="15000"/>
+            </a:schemeClr>
+          </a:lnRef>
+          <a:fillRef idx="1">
+            <a:schemeClr val="accent1"/>
+          </a:fillRef>
+          <a:effectRef idx="0">
+            <a:schemeClr val="accent1"/>
+          </a:effectRef>
+          <a:fontRef idx="minor">
+            <a:schemeClr val="lt1"/>
+          </a:fontRef>
+        </p:style>
+        <p:txBody>
+          <a:bodyPr rtlCol="0" anchor="ctr"/>
+          <a:lstStyle/>
+          <a:p>
+            <a:pPr algn="ctr"/>
+            <a:r>
+              <a:rPr lang="ko-KR" altLang="en-US" sz="1200"/>
+              <a:t>게임</a:t>
+            </a:r>
+          </a:p>
+        </p:txBody>
+      </p:sp>
+      <p:sp>
+        <p:nvSpPr>
+          <p:cNvPr id="13" name="직사각형 12">
+            <a:extLst>
+              <a:ext uri="{FF2B5EF4-FFF2-40B4-BE49-F238E27FC236}">
+                <a16:creationId xmlns:a16="http://schemas.microsoft.com/office/drawing/2014/main" id="{ACA81050-F975-E9A7-B64E-87A208B43A0F}"/>
+              </a:ext>
+            </a:extLst>
+          </p:cNvPr>
+          <p:cNvSpPr/>
+          <p:nvPr/>
+        </p:nvSpPr>
+        <p:spPr>
+          <a:xfrm>
+            <a:off x="3914030" y="2428867"/>
+            <a:ext cx="1040863" cy="141114"/>
+          </a:xfrm>
+          <a:prstGeom prst="rect">
+            <a:avLst/>
+          </a:prstGeom>
+          <a:ln>
+            <a:noFill/>
+          </a:ln>
+        </p:spPr>
+        <p:style>
+          <a:lnRef idx="2">
+            <a:schemeClr val="accent1">
+              <a:shade val="15000"/>
+            </a:schemeClr>
+          </a:lnRef>
+          <a:fillRef idx="1">
+            <a:schemeClr val="accent1"/>
+          </a:fillRef>
+          <a:effectRef idx="0">
+            <a:schemeClr val="accent1"/>
+          </a:effectRef>
+          <a:fontRef idx="minor">
+            <a:schemeClr val="lt1"/>
+          </a:fontRef>
+        </p:style>
+        <p:txBody>
+          <a:bodyPr rtlCol="0" anchor="ctr"/>
+          <a:lstStyle/>
+          <a:p>
+            <a:pPr algn="ctr"/>
+            <a:r>
+              <a:rPr lang="ko-KR" altLang="en-US" sz="1200" dirty="0"/>
               <a:t>마이페이지</a:t>
             </a:r>
           </a:p>
         </p:txBody>
       </p:sp>
+      <p:sp>
+        <p:nvSpPr>
+          <p:cNvPr id="14" name="직사각형 13">
+            <a:extLst>
+              <a:ext uri="{FF2B5EF4-FFF2-40B4-BE49-F238E27FC236}">
+                <a16:creationId xmlns:a16="http://schemas.microsoft.com/office/drawing/2014/main" id="{EBA0E07F-7BE4-B57D-58D9-47A029681B83}"/>
+              </a:ext>
+            </a:extLst>
+          </p:cNvPr>
+          <p:cNvSpPr/>
+          <p:nvPr/>
+        </p:nvSpPr>
+        <p:spPr>
+          <a:xfrm>
+            <a:off x="519499" y="2799501"/>
+            <a:ext cx="4442230" cy="406405"/>
+          </a:xfrm>
+          <a:prstGeom prst="rect">
+            <a:avLst/>
+          </a:prstGeom>
+          <a:solidFill>
+            <a:schemeClr val="bg1"/>
+          </a:solidFill>
+          <a:ln w="12700">
+            <a:noFill/>
+          </a:ln>
+        </p:spPr>
+        <p:style>
+          <a:lnRef idx="3">
+            <a:schemeClr val="lt1"/>
+          </a:lnRef>
+          <a:fillRef idx="1">
+            <a:schemeClr val="accent3"/>
+          </a:fillRef>
+          <a:effectRef idx="1">
+            <a:schemeClr val="accent3"/>
+          </a:effectRef>
+          <a:fontRef idx="minor">
+            <a:schemeClr val="lt1"/>
+          </a:fontRef>
+        </p:style>
+        <p:txBody>
+          <a:bodyPr rtlCol="0" anchor="ctr"/>
+          <a:lstStyle/>
+          <a:p>
+            <a:r>
+              <a:rPr lang="en-US" altLang="ko-KR" sz="1200" dirty="0">
+                <a:solidFill>
+                  <a:schemeClr val="tx1"/>
+                </a:solidFill>
+              </a:rPr>
+              <a:t>HYJW</a:t>
+            </a:r>
+            <a:endParaRPr lang="ko-KR" altLang="en-US" sz="1200" dirty="0">
+              <a:solidFill>
+                <a:schemeClr val="tx1"/>
+              </a:solidFill>
+            </a:endParaRPr>
+          </a:p>
+        </p:txBody>
+      </p:sp>
+      <p:cxnSp>
+        <p:nvCxnSpPr>
+          <p:cNvPr id="27" name="직선 연결선 26">
+            <a:extLst>
+              <a:ext uri="{FF2B5EF4-FFF2-40B4-BE49-F238E27FC236}">
+                <a16:creationId xmlns:a16="http://schemas.microsoft.com/office/drawing/2014/main" id="{7269E587-DF25-7DDD-E537-4C8645FAA881}"/>
+              </a:ext>
+            </a:extLst>
+          </p:cNvPr>
+          <p:cNvCxnSpPr>
+            <a:cxnSpLocks/>
+          </p:cNvCxnSpPr>
+          <p:nvPr/>
+        </p:nvCxnSpPr>
+        <p:spPr>
+          <a:xfrm>
+            <a:off x="601206" y="3267995"/>
+            <a:ext cx="4360523" cy="0"/>
+          </a:xfrm>
+          <a:prstGeom prst="line">
+            <a:avLst/>
+          </a:prstGeom>
+          <a:ln w="10160">
+            <a:solidFill>
+              <a:schemeClr val="bg1">
+                <a:lumMod val="75000"/>
+              </a:schemeClr>
+            </a:solidFill>
+          </a:ln>
+        </p:spPr>
+        <p:style>
+          <a:lnRef idx="1">
+            <a:schemeClr val="accent1"/>
+          </a:lnRef>
+          <a:fillRef idx="0">
+            <a:schemeClr val="accent1"/>
+          </a:fillRef>
+          <a:effectRef idx="0">
+            <a:schemeClr val="accent1"/>
+          </a:effectRef>
+          <a:fontRef idx="minor">
+            <a:schemeClr val="tx1"/>
+          </a:fontRef>
+        </p:style>
+      </p:cxnSp>
+      <p:sp>
+        <p:nvSpPr>
+          <p:cNvPr id="28" name="직사각형 27">
+            <a:extLst>
+              <a:ext uri="{FF2B5EF4-FFF2-40B4-BE49-F238E27FC236}">
+                <a16:creationId xmlns:a16="http://schemas.microsoft.com/office/drawing/2014/main" id="{5C4027E6-CB83-6EF9-64E9-C935049B7DF3}"/>
+              </a:ext>
+            </a:extLst>
+          </p:cNvPr>
+          <p:cNvSpPr/>
+          <p:nvPr/>
+        </p:nvSpPr>
+        <p:spPr>
+          <a:xfrm>
+            <a:off x="521497" y="5257050"/>
+            <a:ext cx="4442230" cy="406405"/>
+          </a:xfrm>
+          <a:prstGeom prst="rect">
+            <a:avLst/>
+          </a:prstGeom>
+          <a:solidFill>
+            <a:schemeClr val="bg1"/>
+          </a:solidFill>
+          <a:ln w="12700">
+            <a:noFill/>
+          </a:ln>
+        </p:spPr>
+        <p:style>
+          <a:lnRef idx="3">
+            <a:schemeClr val="lt1"/>
+          </a:lnRef>
+          <a:fillRef idx="1">
+            <a:schemeClr val="accent3"/>
+          </a:fillRef>
+          <a:effectRef idx="1">
+            <a:schemeClr val="accent3"/>
+          </a:effectRef>
+          <a:fontRef idx="minor">
+            <a:schemeClr val="lt1"/>
+          </a:fontRef>
+        </p:style>
+        <p:txBody>
+          <a:bodyPr rtlCol="0" anchor="ctr"/>
+          <a:lstStyle/>
+          <a:p>
+            <a:r>
+              <a:rPr lang="ko-KR" altLang="en-US" sz="1200" dirty="0">
+                <a:solidFill>
+                  <a:schemeClr val="tx1"/>
+                </a:solidFill>
+              </a:rPr>
+              <a:t>마이페이지</a:t>
+            </a:r>
+          </a:p>
+        </p:txBody>
+      </p:sp>
+      <p:cxnSp>
+        <p:nvCxnSpPr>
+          <p:cNvPr id="29" name="직선 연결선 28">
+            <a:extLst>
+              <a:ext uri="{FF2B5EF4-FFF2-40B4-BE49-F238E27FC236}">
+                <a16:creationId xmlns:a16="http://schemas.microsoft.com/office/drawing/2014/main" id="{92B2478C-D1E8-A261-0CCA-F87559AD3713}"/>
+              </a:ext>
+            </a:extLst>
+          </p:cNvPr>
+          <p:cNvCxnSpPr>
+            <a:cxnSpLocks/>
+          </p:cNvCxnSpPr>
+          <p:nvPr/>
+        </p:nvCxnSpPr>
+        <p:spPr>
+          <a:xfrm>
+            <a:off x="603204" y="5725544"/>
+            <a:ext cx="4360523" cy="0"/>
+          </a:xfrm>
+          <a:prstGeom prst="line">
+            <a:avLst/>
+          </a:prstGeom>
+          <a:ln w="10160">
+            <a:solidFill>
+              <a:schemeClr val="bg1">
+                <a:lumMod val="75000"/>
+              </a:schemeClr>
+            </a:solidFill>
+          </a:ln>
+        </p:spPr>
+        <p:style>
+          <a:lnRef idx="1">
+            <a:schemeClr val="accent1"/>
+          </a:lnRef>
+          <a:fillRef idx="0">
+            <a:schemeClr val="accent1"/>
+          </a:fillRef>
+          <a:effectRef idx="0">
+            <a:schemeClr val="accent1"/>
+          </a:effectRef>
+          <a:fontRef idx="minor">
+            <a:schemeClr val="tx1"/>
+          </a:fontRef>
+        </p:style>
+      </p:cxnSp>
     </p:spTree>
     <p:extLst>
       <p:ext uri="{BB962C8B-B14F-4D97-AF65-F5344CB8AC3E}">
